--- a/PPT/array.pptx
+++ b/PPT/array.pptx
@@ -198,7 +198,7 @@
           <a:p>
             <a:fld id="{C1B8E64C-0EDD-4C93-95A2-E8C52A5645D1}" type="datetimeFigureOut">
               <a:rPr lang="en-US" smtClean="0"/>
-              <a:t>12-Nov-20</a:t>
+              <a:t>17-Nov-20</a:t>
             </a:fld>
             <a:endParaRPr lang="en-US"/>
           </a:p>
@@ -578,7 +578,7 @@
             <a:fld id="{1D8BD707-D9CF-40AE-B4C6-C98DA3205C09}" type="datetimeFigureOut">
               <a:rPr lang="en-US" smtClean="0"/>
               <a:pPr/>
-              <a:t>12-Nov-20</a:t>
+              <a:t>17-Nov-20</a:t>
             </a:fld>
             <a:endParaRPr lang="en-US"/>
           </a:p>
@@ -806,7 +806,7 @@
             <a:fld id="{1D8BD707-D9CF-40AE-B4C6-C98DA3205C09}" type="datetimeFigureOut">
               <a:rPr lang="en-US" smtClean="0"/>
               <a:pPr/>
-              <a:t>12-Nov-20</a:t>
+              <a:t>17-Nov-20</a:t>
             </a:fld>
             <a:endParaRPr lang="en-US"/>
           </a:p>
@@ -983,7 +983,7 @@
             <a:fld id="{1D8BD707-D9CF-40AE-B4C6-C98DA3205C09}" type="datetimeFigureOut">
               <a:rPr lang="en-US" smtClean="0"/>
               <a:pPr/>
-              <a:t>12-Nov-20</a:t>
+              <a:t>17-Nov-20</a:t>
             </a:fld>
             <a:endParaRPr lang="en-US"/>
           </a:p>
@@ -1150,7 +1150,7 @@
             <a:fld id="{1D8BD707-D9CF-40AE-B4C6-C98DA3205C09}" type="datetimeFigureOut">
               <a:rPr lang="en-US" smtClean="0"/>
               <a:pPr/>
-              <a:t>12-Nov-20</a:t>
+              <a:t>17-Nov-20</a:t>
             </a:fld>
             <a:endParaRPr lang="en-US"/>
           </a:p>
@@ -1396,7 +1396,7 @@
             <a:fld id="{1D8BD707-D9CF-40AE-B4C6-C98DA3205C09}" type="datetimeFigureOut">
               <a:rPr lang="en-US" smtClean="0"/>
               <a:pPr/>
-              <a:t>12-Nov-20</a:t>
+              <a:t>17-Nov-20</a:t>
             </a:fld>
             <a:endParaRPr lang="en-US"/>
           </a:p>
@@ -1662,7 +1662,7 @@
             <a:fld id="{1D8BD707-D9CF-40AE-B4C6-C98DA3205C09}" type="datetimeFigureOut">
               <a:rPr lang="en-US" smtClean="0"/>
               <a:pPr/>
-              <a:t>12-Nov-20</a:t>
+              <a:t>17-Nov-20</a:t>
             </a:fld>
             <a:endParaRPr lang="en-US"/>
           </a:p>
@@ -2038,7 +2038,7 @@
             <a:fld id="{1D8BD707-D9CF-40AE-B4C6-C98DA3205C09}" type="datetimeFigureOut">
               <a:rPr lang="en-US" smtClean="0"/>
               <a:pPr/>
-              <a:t>12-Nov-20</a:t>
+              <a:t>17-Nov-20</a:t>
             </a:fld>
             <a:endParaRPr lang="en-US"/>
           </a:p>
@@ -2153,7 +2153,7 @@
             <a:fld id="{1D8BD707-D9CF-40AE-B4C6-C98DA3205C09}" type="datetimeFigureOut">
               <a:rPr lang="en-US" smtClean="0"/>
               <a:pPr/>
-              <a:t>12-Nov-20</a:t>
+              <a:t>17-Nov-20</a:t>
             </a:fld>
             <a:endParaRPr lang="en-US"/>
           </a:p>
@@ -2245,7 +2245,7 @@
             <a:fld id="{1D8BD707-D9CF-40AE-B4C6-C98DA3205C09}" type="datetimeFigureOut">
               <a:rPr lang="en-US" smtClean="0"/>
               <a:pPr/>
-              <a:t>12-Nov-20</a:t>
+              <a:t>17-Nov-20</a:t>
             </a:fld>
             <a:endParaRPr lang="en-US"/>
           </a:p>
@@ -2505,7 +2505,7 @@
             <a:fld id="{1D8BD707-D9CF-40AE-B4C6-C98DA3205C09}" type="datetimeFigureOut">
               <a:rPr lang="en-US" smtClean="0"/>
               <a:pPr/>
-              <a:t>12-Nov-20</a:t>
+              <a:t>17-Nov-20</a:t>
             </a:fld>
             <a:endParaRPr lang="en-US"/>
           </a:p>
@@ -2771,7 +2771,7 @@
             <a:fld id="{1D8BD707-D9CF-40AE-B4C6-C98DA3205C09}" type="datetimeFigureOut">
               <a:rPr lang="en-US" smtClean="0"/>
               <a:pPr/>
-              <a:t>12-Nov-20</a:t>
+              <a:t>17-Nov-20</a:t>
             </a:fld>
             <a:endParaRPr lang="en-US"/>
           </a:p>
@@ -2990,7 +2990,7 @@
             <a:fld id="{1D8BD707-D9CF-40AE-B4C6-C98DA3205C09}" type="datetimeFigureOut">
               <a:rPr lang="en-US" smtClean="0"/>
               <a:pPr/>
-              <a:t>12-Nov-20</a:t>
+              <a:t>17-Nov-20</a:t>
             </a:fld>
             <a:endParaRPr lang="en-US"/>
           </a:p>
@@ -3521,11 +3521,7 @@
           <a:p>
             <a:r>
               <a:rPr lang="en-US" dirty="0" smtClean="0"/>
-              <a:t>Collection of same data types with continues static memory </a:t>
-            </a:r>
-            <a:r>
-              <a:rPr lang="en-US" dirty="0" smtClean="0"/>
-              <a:t>allocation</a:t>
+              <a:t>Collection of same data types with continues static memory allocation</a:t>
             </a:r>
           </a:p>
           <a:p>
@@ -3557,11 +3553,7 @@
             </a:r>
             <a:r>
               <a:rPr lang="en-US" dirty="0"/>
-              <a:t> ];</a:t>
-            </a:r>
-            <a:r>
-              <a:rPr lang="en-US" dirty="0"/>
-              <a:t> </a:t>
+              <a:t> ]; </a:t>
             </a:r>
             <a:endParaRPr lang="en-US" dirty="0" smtClean="0"/>
           </a:p>
@@ -3811,11 +3803,7 @@
             </a:r>
             <a:r>
               <a:rPr lang="en-US" sz="2600" dirty="0"/>
-              <a:t>c[2][3]={1,3,0,-1,5,9};</a:t>
-            </a:r>
-            <a:r>
-              <a:rPr lang="en-US" sz="2600" dirty="0"/>
-              <a:t> </a:t>
+              <a:t>c[2][3]={1,3,0,-1,5,9}; </a:t>
             </a:r>
             <a:endParaRPr lang="en-US" sz="2600" dirty="0" smtClean="0"/>
           </a:p>
@@ -3937,11 +3925,7 @@
             </a:br>
             <a:r>
               <a:rPr lang="en-US" sz="2600" dirty="0"/>
-              <a:t>};</a:t>
-            </a:r>
-            <a:r>
-              <a:rPr lang="en-US" sz="2600" dirty="0"/>
-              <a:t> </a:t>
+              <a:t>}; </a:t>
             </a:r>
             <a:br>
               <a:rPr lang="en-US" sz="2600" dirty="0"/>
@@ -4053,9 +4037,15 @@
               <a:t>stdio.h</a:t>
             </a:r>
             <a:r>
-              <a:rPr lang="en-US" dirty="0"/>
+              <a:rPr lang="en-US" dirty="0" smtClean="0"/>
               <a:t>&gt;</a:t>
             </a:r>
+          </a:p>
+          <a:p>
+            <a:pPr marL="137160" indent="0">
+              <a:buNone/>
+            </a:pPr>
+            <a:endParaRPr lang="en-US" dirty="0"/>
           </a:p>
           <a:p>
             <a:pPr marL="137160" indent="0">
@@ -5417,8 +5407,25 @@
           <a:p>
             <a:r>
               <a:rPr lang="en-US" dirty="0" smtClean="0"/>
-              <a:t>Ascending and descending sorting</a:t>
-            </a:r>
+              <a:t>Ascending and descending </a:t>
+            </a:r>
+            <a:r>
+              <a:rPr lang="en-US" dirty="0" smtClean="0"/>
+              <a:t>sorting</a:t>
+            </a:r>
+          </a:p>
+          <a:p>
+            <a:r>
+              <a:rPr lang="en-US" dirty="0" smtClean="0"/>
+              <a:t>Bubble sort</a:t>
+            </a:r>
+          </a:p>
+          <a:p>
+            <a:r>
+              <a:rPr lang="en-US" dirty="0" smtClean="0"/>
+              <a:t>Insertion sort</a:t>
+            </a:r>
+            <a:endParaRPr lang="en-US" dirty="0" smtClean="0"/>
           </a:p>
           <a:p>
             <a:r>
@@ -5428,10 +5435,9 @@
           </a:p>
           <a:p>
             <a:r>
-              <a:rPr lang="en-US" smtClean="0"/>
+              <a:rPr lang="en-US" dirty="0" smtClean="0"/>
               <a:t>queue</a:t>
             </a:r>
-            <a:endParaRPr lang="en-US" dirty="0" smtClean="0"/>
           </a:p>
           <a:p>
             <a:endParaRPr lang="en-US" dirty="0"/>
